--- a/TDD 세미나 자료.pptx
+++ b/TDD 세미나 자료.pptx
@@ -9,14 +9,14 @@
   </p:notesMasterIdLst>
   <p:sldIdLst>
     <p:sldId id="273" r:id="rId2"/>
-    <p:sldId id="272" r:id="rId3"/>
-    <p:sldId id="259" r:id="rId4"/>
-    <p:sldId id="260" r:id="rId5"/>
-    <p:sldId id="258" r:id="rId6"/>
-    <p:sldId id="261" r:id="rId7"/>
-    <p:sldId id="262" r:id="rId8"/>
-    <p:sldId id="263" r:id="rId9"/>
-    <p:sldId id="264" r:id="rId10"/>
+    <p:sldId id="259" r:id="rId3"/>
+    <p:sldId id="260" r:id="rId4"/>
+    <p:sldId id="258" r:id="rId5"/>
+    <p:sldId id="261" r:id="rId6"/>
+    <p:sldId id="262" r:id="rId7"/>
+    <p:sldId id="263" r:id="rId8"/>
+    <p:sldId id="264" r:id="rId9"/>
+    <p:sldId id="274" r:id="rId10"/>
     <p:sldId id="271" r:id="rId11"/>
     <p:sldId id="265" r:id="rId12"/>
     <p:sldId id="266" r:id="rId13"/>
@@ -224,7 +224,7 @@
           <a:p>
             <a:fld id="{24ADA3F8-5B85-43F7-9EFA-4615F3B517A6}" type="datetimeFigureOut">
               <a:rPr lang="ko-KR" altLang="en-US" smtClean="0"/>
-              <a:t>2022-09-06</a:t>
+              <a:t>2022-11-03</a:t>
             </a:fld>
             <a:endParaRPr lang="ko-KR" altLang="en-US"/>
           </a:p>
@@ -742,7 +742,7 @@
           <a:p>
             <a:fld id="{AA1A3CF2-0678-4FB1-9DC4-1CB07B4F4224}" type="datetimeFigureOut">
               <a:rPr lang="ko-KR" altLang="en-US" smtClean="0"/>
-              <a:t>2022-09-06</a:t>
+              <a:t>2022-11-03</a:t>
             </a:fld>
             <a:endParaRPr lang="ko-KR" altLang="en-US"/>
           </a:p>
@@ -940,7 +940,7 @@
           <a:p>
             <a:fld id="{AA1A3CF2-0678-4FB1-9DC4-1CB07B4F4224}" type="datetimeFigureOut">
               <a:rPr lang="ko-KR" altLang="en-US" smtClean="0"/>
-              <a:t>2022-09-06</a:t>
+              <a:t>2022-11-03</a:t>
             </a:fld>
             <a:endParaRPr lang="ko-KR" altLang="en-US"/>
           </a:p>
@@ -1148,7 +1148,7 @@
           <a:p>
             <a:fld id="{AA1A3CF2-0678-4FB1-9DC4-1CB07B4F4224}" type="datetimeFigureOut">
               <a:rPr lang="ko-KR" altLang="en-US" smtClean="0"/>
-              <a:t>2022-09-06</a:t>
+              <a:t>2022-11-03</a:t>
             </a:fld>
             <a:endParaRPr lang="ko-KR" altLang="en-US"/>
           </a:p>
@@ -1346,7 +1346,7 @@
           <a:p>
             <a:fld id="{AA1A3CF2-0678-4FB1-9DC4-1CB07B4F4224}" type="datetimeFigureOut">
               <a:rPr lang="ko-KR" altLang="en-US" smtClean="0"/>
-              <a:t>2022-09-06</a:t>
+              <a:t>2022-11-03</a:t>
             </a:fld>
             <a:endParaRPr lang="ko-KR" altLang="en-US"/>
           </a:p>
@@ -1621,7 +1621,7 @@
           <a:p>
             <a:fld id="{AA1A3CF2-0678-4FB1-9DC4-1CB07B4F4224}" type="datetimeFigureOut">
               <a:rPr lang="ko-KR" altLang="en-US" smtClean="0"/>
-              <a:t>2022-09-06</a:t>
+              <a:t>2022-11-03</a:t>
             </a:fld>
             <a:endParaRPr lang="ko-KR" altLang="en-US"/>
           </a:p>
@@ -1886,7 +1886,7 @@
           <a:p>
             <a:fld id="{AA1A3CF2-0678-4FB1-9DC4-1CB07B4F4224}" type="datetimeFigureOut">
               <a:rPr lang="ko-KR" altLang="en-US" smtClean="0"/>
-              <a:t>2022-09-06</a:t>
+              <a:t>2022-11-03</a:t>
             </a:fld>
             <a:endParaRPr lang="ko-KR" altLang="en-US"/>
           </a:p>
@@ -2298,7 +2298,7 @@
           <a:p>
             <a:fld id="{AA1A3CF2-0678-4FB1-9DC4-1CB07B4F4224}" type="datetimeFigureOut">
               <a:rPr lang="ko-KR" altLang="en-US" smtClean="0"/>
-              <a:t>2022-09-06</a:t>
+              <a:t>2022-11-03</a:t>
             </a:fld>
             <a:endParaRPr lang="ko-KR" altLang="en-US"/>
           </a:p>
@@ -2439,7 +2439,7 @@
           <a:p>
             <a:fld id="{AA1A3CF2-0678-4FB1-9DC4-1CB07B4F4224}" type="datetimeFigureOut">
               <a:rPr lang="ko-KR" altLang="en-US" smtClean="0"/>
-              <a:t>2022-09-06</a:t>
+              <a:t>2022-11-03</a:t>
             </a:fld>
             <a:endParaRPr lang="ko-KR" altLang="en-US"/>
           </a:p>
@@ -2552,7 +2552,7 @@
           <a:p>
             <a:fld id="{AA1A3CF2-0678-4FB1-9DC4-1CB07B4F4224}" type="datetimeFigureOut">
               <a:rPr lang="ko-KR" altLang="en-US" smtClean="0"/>
-              <a:t>2022-09-06</a:t>
+              <a:t>2022-11-03</a:t>
             </a:fld>
             <a:endParaRPr lang="ko-KR" altLang="en-US"/>
           </a:p>
@@ -2863,7 +2863,7 @@
           <a:p>
             <a:fld id="{AA1A3CF2-0678-4FB1-9DC4-1CB07B4F4224}" type="datetimeFigureOut">
               <a:rPr lang="ko-KR" altLang="en-US" smtClean="0"/>
-              <a:t>2022-09-06</a:t>
+              <a:t>2022-11-03</a:t>
             </a:fld>
             <a:endParaRPr lang="ko-KR" altLang="en-US"/>
           </a:p>
@@ -3151,7 +3151,7 @@
           <a:p>
             <a:fld id="{AA1A3CF2-0678-4FB1-9DC4-1CB07B4F4224}" type="datetimeFigureOut">
               <a:rPr lang="ko-KR" altLang="en-US" smtClean="0"/>
-              <a:t>2022-09-06</a:t>
+              <a:t>2022-11-03</a:t>
             </a:fld>
             <a:endParaRPr lang="ko-KR" altLang="en-US"/>
           </a:p>
@@ -3392,7 +3392,7 @@
           <a:p>
             <a:fld id="{AA1A3CF2-0678-4FB1-9DC4-1CB07B4F4224}" type="datetimeFigureOut">
               <a:rPr lang="ko-KR" altLang="en-US" smtClean="0"/>
-              <a:t>2022-09-06</a:t>
+              <a:t>2022-11-03</a:t>
             </a:fld>
             <a:endParaRPr lang="ko-KR" altLang="en-US"/>
           </a:p>
@@ -4696,7 +4696,7 @@
         </p:blipFill>
         <p:spPr bwMode="auto">
           <a:xfrm>
-            <a:off x="4068242" y="2450904"/>
+            <a:off x="936286" y="2132810"/>
             <a:ext cx="1828800" cy="2495550"/>
           </a:xfrm>
           <a:prstGeom prst="rect">
@@ -4743,7 +4743,7 @@
         </p:blipFill>
         <p:spPr bwMode="auto">
           <a:xfrm>
-            <a:off x="6851874" y="3114964"/>
+            <a:off x="2441607" y="5013978"/>
             <a:ext cx="1212785" cy="1240100"/>
           </a:xfrm>
           <a:prstGeom prst="rect">
@@ -4759,6 +4759,36 @@
               </a14:hiddenFill>
             </a:ext>
           </a:extLst>
+        </p:spPr>
+      </p:pic>
+      <p:pic>
+        <p:nvPicPr>
+          <p:cNvPr id="3" name="그림 2">
+            <a:extLst>
+              <a:ext uri="{FF2B5EF4-FFF2-40B4-BE49-F238E27FC236}">
+                <a16:creationId xmlns:a16="http://schemas.microsoft.com/office/drawing/2014/main" id="{C72AAE8B-F6D1-2021-3F4F-8755B1A1F531}"/>
+              </a:ext>
+            </a:extLst>
+          </p:cNvPr>
+          <p:cNvPicPr>
+            <a:picLocks noChangeAspect="1"/>
+          </p:cNvPicPr>
+          <p:nvPr/>
+        </p:nvPicPr>
+        <p:blipFill>
+          <a:blip r:embed="rId5"/>
+          <a:stretch>
+            <a:fillRect/>
+          </a:stretch>
+        </p:blipFill>
+        <p:spPr>
+          <a:xfrm>
+            <a:off x="5105330" y="2929365"/>
+            <a:ext cx="6477110" cy="3266667"/>
+          </a:xfrm>
+          <a:prstGeom prst="rect">
+            <a:avLst/>
+          </a:prstGeom>
         </p:spPr>
       </p:pic>
     </p:spTree>
@@ -4821,7 +4851,7 @@
           <a:p>
             <a:pPr algn="ctr"/>
             <a:r>
-              <a:rPr lang="ko-KR" altLang="en-US" sz="2800" b="1"/>
+              <a:rPr lang="ko-KR" altLang="en-US" sz="2800" b="1" dirty="0"/>
               <a:t>작업 스케치</a:t>
             </a:r>
           </a:p>
@@ -4993,104 +5023,6 @@
           <a:chExt cx="0" cy="0"/>
         </a:xfrm>
       </p:grpSpPr>
-      <p:sp>
-        <p:nvSpPr>
-          <p:cNvPr id="4" name="TextBox 3">
-            <a:extLst>
-              <a:ext uri="{FF2B5EF4-FFF2-40B4-BE49-F238E27FC236}">
-                <a16:creationId xmlns:a16="http://schemas.microsoft.com/office/drawing/2014/main" id="{5727DD44-0304-64A4-9942-FD2CC891B810}"/>
-              </a:ext>
-            </a:extLst>
-          </p:cNvPr>
-          <p:cNvSpPr txBox="1"/>
-          <p:nvPr/>
-        </p:nvSpPr>
-        <p:spPr>
-          <a:xfrm>
-            <a:off x="3383558" y="2449160"/>
-            <a:ext cx="5424883" cy="1112164"/>
-          </a:xfrm>
-          <a:prstGeom prst="rect">
-            <a:avLst/>
-          </a:prstGeom>
-          <a:noFill/>
-        </p:spPr>
-        <p:txBody>
-          <a:bodyPr wrap="none" lIns="91440" tIns="45720" rIns="91440" bIns="45720" rtlCol="0" anchor="t">
-            <a:spAutoFit/>
-          </a:bodyPr>
-          <a:lstStyle/>
-          <a:p>
-            <a:pPr algn="ctr">
-              <a:lnSpc>
-                <a:spcPct val="200000"/>
-              </a:lnSpc>
-            </a:pPr>
-            <a:r>
-              <a:rPr lang="ko-KR" altLang="en-US" i="1">
-                <a:ea typeface="맑은 고딕"/>
-              </a:rPr>
-              <a:t>'엔지니어링은 거래다</a:t>
-            </a:r>
-            <a:r>
-              <a:rPr lang="en-US" altLang="ko-KR" i="1">
-                <a:ea typeface="맑은 고딕"/>
-              </a:rPr>
-              <a:t>.</a:t>
-            </a:r>
-          </a:p>
-          <a:p>
-            <a:pPr algn="ctr">
-              <a:lnSpc>
-                <a:spcPct val="200000"/>
-              </a:lnSpc>
-            </a:pPr>
-            <a:r>
-              <a:rPr lang="ko-KR" altLang="en-US" i="1">
-                <a:ea typeface="맑은 고딕"/>
-              </a:rPr>
-              <a:t>더 심각한 문제를 덜 심각한 문제로 바꾸는 거래다</a:t>
-            </a:r>
-            <a:r>
-              <a:rPr lang="en-US" altLang="ko-KR" i="1">
-                <a:ea typeface="맑은 고딕"/>
-              </a:rPr>
-              <a:t>.'</a:t>
-            </a:r>
-            <a:endParaRPr lang="ko-KR" altLang="en-US" i="1"/>
-          </a:p>
-        </p:txBody>
-      </p:sp>
-    </p:spTree>
-    <p:extLst>
-      <p:ext uri="{BB962C8B-B14F-4D97-AF65-F5344CB8AC3E}">
-        <p14:creationId xmlns:p14="http://schemas.microsoft.com/office/powerpoint/2010/main" val="1367140209"/>
-      </p:ext>
-    </p:extLst>
-  </p:cSld>
-  <p:clrMapOvr>
-    <a:masterClrMapping/>
-  </p:clrMapOvr>
-</p:sld>
-</file>
-
-<file path=ppt/slides/slide3.xml><?xml version="1.0" encoding="utf-8"?>
-<p:sld xmlns:a="http://schemas.openxmlformats.org/drawingml/2006/main" xmlns:r="http://schemas.openxmlformats.org/officeDocument/2006/relationships" xmlns:p="http://schemas.openxmlformats.org/presentationml/2006/main">
-  <p:cSld>
-    <p:spTree>
-      <p:nvGrpSpPr>
-        <p:cNvPr id="1" name=""/>
-        <p:cNvGrpSpPr/>
-        <p:nvPr/>
-      </p:nvGrpSpPr>
-      <p:grpSpPr>
-        <a:xfrm>
-          <a:off x="0" y="0"/>
-          <a:ext cx="0" cy="0"/>
-          <a:chOff x="0" y="0"/>
-          <a:chExt cx="0" cy="0"/>
-        </a:xfrm>
-      </p:grpSpPr>
       <p:pic>
         <p:nvPicPr>
           <p:cNvPr id="1026" name="Picture 2" descr="TDD] 테스트 주도 개발이란 무엇인가? : 네이버 블로그">
@@ -5405,7 +5337,7 @@
 </p:sld>
 </file>
 
-<file path=ppt/slides/slide4.xml><?xml version="1.0" encoding="utf-8"?>
+<file path=ppt/slides/slide3.xml><?xml version="1.0" encoding="utf-8"?>
 <p:sld xmlns:a="http://schemas.openxmlformats.org/drawingml/2006/main" xmlns:r="http://schemas.openxmlformats.org/officeDocument/2006/relationships" xmlns:p="http://schemas.openxmlformats.org/presentationml/2006/main">
   <p:cSld>
     <p:spTree>
@@ -5520,7 +5452,7 @@
 </p:sld>
 </file>
 
-<file path=ppt/slides/slide5.xml><?xml version="1.0" encoding="utf-8"?>
+<file path=ppt/slides/slide4.xml><?xml version="1.0" encoding="utf-8"?>
 <p:sld xmlns:a="http://schemas.openxmlformats.org/drawingml/2006/main" xmlns:r="http://schemas.openxmlformats.org/officeDocument/2006/relationships" xmlns:p="http://schemas.openxmlformats.org/presentationml/2006/main">
   <p:cSld>
     <p:spTree>
@@ -5928,7 +5860,7 @@
 </p:sld>
 </file>
 
-<file path=ppt/slides/slide6.xml><?xml version="1.0" encoding="utf-8"?>
+<file path=ppt/slides/slide5.xml><?xml version="1.0" encoding="utf-8"?>
 <p:sld xmlns:a="http://schemas.openxmlformats.org/drawingml/2006/main" xmlns:r="http://schemas.openxmlformats.org/officeDocument/2006/relationships" xmlns:p="http://schemas.openxmlformats.org/presentationml/2006/main">
   <p:cSld>
     <p:spTree>
@@ -6054,7 +5986,7 @@
 </p:sld>
 </file>
 
-<file path=ppt/slides/slide7.xml><?xml version="1.0" encoding="utf-8"?>
+<file path=ppt/slides/slide6.xml><?xml version="1.0" encoding="utf-8"?>
 <p:sld xmlns:a="http://schemas.openxmlformats.org/drawingml/2006/main" xmlns:r="http://schemas.openxmlformats.org/officeDocument/2006/relationships" xmlns:p="http://schemas.openxmlformats.org/presentationml/2006/main">
   <p:cSld>
     <p:bg>
@@ -6159,6 +6091,304 @@
     <p:extLst>
       <p:ext uri="{BB962C8B-B14F-4D97-AF65-F5344CB8AC3E}">
         <p14:creationId xmlns:p14="http://schemas.microsoft.com/office/powerpoint/2010/main" val="947845539"/>
+      </p:ext>
+    </p:extLst>
+  </p:cSld>
+  <p:clrMapOvr>
+    <a:masterClrMapping/>
+  </p:clrMapOvr>
+</p:sld>
+</file>
+
+<file path=ppt/slides/slide7.xml><?xml version="1.0" encoding="utf-8"?>
+<p:sld xmlns:a="http://schemas.openxmlformats.org/drawingml/2006/main" xmlns:r="http://schemas.openxmlformats.org/officeDocument/2006/relationships" xmlns:p="http://schemas.openxmlformats.org/presentationml/2006/main">
+  <p:cSld>
+    <p:spTree>
+      <p:nvGrpSpPr>
+        <p:cNvPr id="1" name=""/>
+        <p:cNvGrpSpPr/>
+        <p:nvPr/>
+      </p:nvGrpSpPr>
+      <p:grpSpPr>
+        <a:xfrm>
+          <a:off x="0" y="0"/>
+          <a:ext cx="0" cy="0"/>
+          <a:chOff x="0" y="0"/>
+          <a:chExt cx="0" cy="0"/>
+        </a:xfrm>
+      </p:grpSpPr>
+      <p:sp>
+        <p:nvSpPr>
+          <p:cNvPr id="3" name="TextBox 2">
+            <a:extLst>
+              <a:ext uri="{FF2B5EF4-FFF2-40B4-BE49-F238E27FC236}">
+                <a16:creationId xmlns:a16="http://schemas.microsoft.com/office/drawing/2014/main" id="{9D1D9BCF-9977-4C34-9E6B-D2F131D053B2}"/>
+              </a:ext>
+            </a:extLst>
+          </p:cNvPr>
+          <p:cNvSpPr txBox="1"/>
+          <p:nvPr/>
+        </p:nvSpPr>
+        <p:spPr>
+          <a:xfrm>
+            <a:off x="932872" y="1107623"/>
+            <a:ext cx="646331" cy="369332"/>
+          </a:xfrm>
+          <a:prstGeom prst="rect">
+            <a:avLst/>
+          </a:prstGeom>
+          <a:noFill/>
+        </p:spPr>
+        <p:txBody>
+          <a:bodyPr wrap="none" rtlCol="0">
+            <a:spAutoFit/>
+          </a:bodyPr>
+          <a:lstStyle/>
+          <a:p>
+            <a:r>
+              <a:rPr lang="ko-KR" altLang="en-US" b="1"/>
+              <a:t>장점</a:t>
+            </a:r>
+          </a:p>
+        </p:txBody>
+      </p:sp>
+      <p:sp>
+        <p:nvSpPr>
+          <p:cNvPr id="5" name="TextBox 4">
+            <a:extLst>
+              <a:ext uri="{FF2B5EF4-FFF2-40B4-BE49-F238E27FC236}">
+                <a16:creationId xmlns:a16="http://schemas.microsoft.com/office/drawing/2014/main" id="{A3D95181-3AA3-8576-4C02-8743D8166841}"/>
+              </a:ext>
+            </a:extLst>
+          </p:cNvPr>
+          <p:cNvSpPr txBox="1"/>
+          <p:nvPr/>
+        </p:nvSpPr>
+        <p:spPr>
+          <a:xfrm>
+            <a:off x="1108363" y="1911927"/>
+            <a:ext cx="8170827" cy="1837041"/>
+          </a:xfrm>
+          <a:prstGeom prst="rect">
+            <a:avLst/>
+          </a:prstGeom>
+          <a:noFill/>
+        </p:spPr>
+        <p:txBody>
+          <a:bodyPr wrap="none" lIns="91440" tIns="45720" rIns="91440" bIns="45720" rtlCol="0" anchor="t">
+            <a:spAutoFit/>
+          </a:bodyPr>
+          <a:lstStyle/>
+          <a:p>
+            <a:pPr marL="171450" indent="-171450">
+              <a:lnSpc>
+                <a:spcPct val="150000"/>
+              </a:lnSpc>
+              <a:buFont typeface="Arial" panose="020B0604020202020204" pitchFamily="34" charset="0"/>
+              <a:buChar char="•"/>
+            </a:pPr>
+            <a:r>
+              <a:rPr lang="ko-KR" altLang="en-US" sz="1100" b="0" dirty="0">
+                <a:effectLst/>
+                <a:latin typeface="Arial" panose="020B0604020202020204" pitchFamily="34" charset="0"/>
+              </a:rPr>
+              <a:t>불안함을 없앨 수 있다</a:t>
+            </a:r>
+            <a:r>
+              <a:rPr lang="en-US" altLang="ko-KR" sz="1100" b="0" dirty="0">
+                <a:effectLst/>
+                <a:latin typeface="Arial" panose="020B0604020202020204" pitchFamily="34" charset="0"/>
+              </a:rPr>
+              <a:t>.</a:t>
+            </a:r>
+            <a:br>
+              <a:rPr lang="en-US" altLang="ko-KR" sz="1100" b="0" dirty="0">
+                <a:effectLst/>
+                <a:latin typeface="Arial" panose="020B0604020202020204" pitchFamily="34" charset="0"/>
+              </a:rPr>
+            </a:br>
+            <a:endParaRPr lang="en-US" altLang="ko-KR" sz="1100" b="0" dirty="0">
+              <a:effectLst/>
+              <a:latin typeface="Arial" panose="020B0604020202020204" pitchFamily="34" charset="0"/>
+            </a:endParaRPr>
+          </a:p>
+          <a:p>
+            <a:pPr marL="171450" indent="-171450">
+              <a:lnSpc>
+                <a:spcPct val="150000"/>
+              </a:lnSpc>
+              <a:buFont typeface="Arial" panose="020B0604020202020204" pitchFamily="34" charset="0"/>
+              <a:buChar char="•"/>
+            </a:pPr>
+            <a:r>
+              <a:rPr lang="ko-KR" altLang="en-US" sz="1100" dirty="0"/>
+              <a:t>누구보다 더 빠른 </a:t>
+            </a:r>
+            <a:r>
+              <a:rPr lang="en-US" altLang="ko-KR" sz="1100" dirty="0"/>
+              <a:t>Realtime </a:t>
+            </a:r>
+            <a:r>
+              <a:rPr lang="ko-KR" altLang="en-US" sz="1100" b="1" dirty="0"/>
+              <a:t>피드백</a:t>
+            </a:r>
+            <a:r>
+              <a:rPr lang="ko-KR" altLang="en-US" sz="1100" dirty="0"/>
+              <a:t>을 받을 수 있다</a:t>
+            </a:r>
+            <a:r>
+              <a:rPr lang="en-US" altLang="ko-KR" sz="1100" dirty="0"/>
+              <a:t>.</a:t>
+            </a:r>
+          </a:p>
+          <a:p>
+            <a:pPr marL="171450" indent="-171450">
+              <a:lnSpc>
+                <a:spcPct val="150000"/>
+              </a:lnSpc>
+              <a:buFont typeface="Arial" panose="020B0604020202020204" pitchFamily="34" charset="0"/>
+              <a:buChar char="•"/>
+            </a:pPr>
+            <a:endParaRPr lang="en-US" altLang="ko-KR" sz="1100" dirty="0"/>
+          </a:p>
+          <a:p>
+            <a:pPr marL="171450" indent="-171450">
+              <a:lnSpc>
+                <a:spcPct val="150000"/>
+              </a:lnSpc>
+              <a:buFont typeface="Arial" panose="020B0604020202020204" pitchFamily="34" charset="0"/>
+              <a:buChar char="•"/>
+            </a:pPr>
+            <a:r>
+              <a:rPr lang="ko-KR" altLang="en-US" sz="1100" dirty="0">
+                <a:ea typeface="맑은 고딕"/>
+              </a:rPr>
+              <a:t>오버 엔지니어링을 피할 수 있다</a:t>
+            </a:r>
+            <a:r>
+              <a:rPr lang="en-US" altLang="ko-KR" sz="1100" dirty="0">
+                <a:ea typeface="맑은 고딕"/>
+              </a:rPr>
+              <a:t>.</a:t>
+            </a:r>
+            <a:br>
+              <a:rPr lang="en-US" altLang="ko-KR" sz="1100" dirty="0">
+                <a:ea typeface="맑은 고딕"/>
+              </a:rPr>
+            </a:br>
+            <a:br>
+              <a:rPr lang="en-US" altLang="ko-KR" sz="1100" dirty="0"/>
+            </a:br>
+            <a:r>
+              <a:rPr lang="en-US" altLang="ko-KR" sz="1100" i="1" dirty="0">
+                <a:ea typeface="맑은 고딕"/>
+              </a:rPr>
+              <a:t> (</a:t>
+            </a:r>
+            <a:r>
+              <a:rPr lang="ko-KR" altLang="en-US" sz="1100" i="1" dirty="0">
+                <a:ea typeface="맑은 고딕"/>
+              </a:rPr>
+              <a:t>오버 엔지니어링</a:t>
+            </a:r>
+            <a:r>
+              <a:rPr lang="en-US" altLang="ko-KR" sz="1100" i="1" dirty="0">
+                <a:ea typeface="맑은 고딕"/>
+              </a:rPr>
+              <a:t>: </a:t>
+            </a:r>
+            <a:r>
+              <a:rPr lang="en-US" altLang="ko-KR" sz="1100" i="1" dirty="0" err="1">
+                <a:ea typeface="맑은 고딕"/>
+              </a:rPr>
+              <a:t>문제를</a:t>
+            </a:r>
+            <a:r>
+              <a:rPr lang="en-US" altLang="ko-KR" sz="1100" i="1" dirty="0">
+                <a:ea typeface="맑은 고딕"/>
+              </a:rPr>
+              <a:t> </a:t>
+            </a:r>
+            <a:r>
+              <a:rPr lang="en-US" altLang="ko-KR" sz="1100" i="1" dirty="0" err="1">
+                <a:ea typeface="맑은 고딕"/>
+              </a:rPr>
+              <a:t>해결하는</a:t>
+            </a:r>
+            <a:r>
+              <a:rPr lang="en-US" altLang="ko-KR" sz="1100" i="1" dirty="0">
+                <a:ea typeface="맑은 고딕"/>
+              </a:rPr>
+              <a:t> </a:t>
+            </a:r>
+            <a:r>
+              <a:rPr lang="en-US" altLang="ko-KR" sz="1100" i="1" dirty="0" err="1">
+                <a:ea typeface="맑은 고딕"/>
+              </a:rPr>
+              <a:t>것보다</a:t>
+            </a:r>
+            <a:r>
+              <a:rPr lang="en-US" altLang="ko-KR" sz="1100" i="1" dirty="0">
+                <a:ea typeface="맑은 고딕"/>
+              </a:rPr>
+              <a:t> </a:t>
+            </a:r>
+            <a:r>
+              <a:rPr lang="en-US" altLang="ko-KR" sz="1100" i="1" dirty="0" err="1">
+                <a:ea typeface="맑은 고딕"/>
+              </a:rPr>
+              <a:t>과한</a:t>
+            </a:r>
+            <a:r>
+              <a:rPr lang="en-US" altLang="ko-KR" sz="1100" i="1" dirty="0">
+                <a:ea typeface="맑은 고딕"/>
+              </a:rPr>
+              <a:t> </a:t>
+            </a:r>
+            <a:r>
+              <a:rPr lang="en-US" altLang="ko-KR" sz="1100" i="1" dirty="0" err="1">
+                <a:ea typeface="맑은 고딕"/>
+              </a:rPr>
+              <a:t>엔지니어링</a:t>
+            </a:r>
+            <a:r>
+              <a:rPr lang="en-US" altLang="ko-KR" sz="1100" i="1" dirty="0">
+                <a:ea typeface="맑은 고딕"/>
+              </a:rPr>
+              <a:t> = </a:t>
+            </a:r>
+            <a:r>
+              <a:rPr lang="ko-KR" altLang="en-US" sz="1100" i="1" dirty="0">
+                <a:ea typeface="맑은 고딕"/>
+              </a:rPr>
+              <a:t>지금 풀어야하는 작업보다</a:t>
+            </a:r>
+            <a:r>
+              <a:rPr lang="en-US" altLang="ko-KR" sz="1100" i="1" dirty="0">
+                <a:ea typeface="맑은 고딕"/>
+              </a:rPr>
+              <a:t>,</a:t>
+            </a:r>
+            <a:r>
+              <a:rPr lang="ko-KR" altLang="en-US" sz="1100" i="1" dirty="0">
+                <a:ea typeface="맑은 고딕"/>
+              </a:rPr>
+              <a:t> 자기에게 흥미 있는 작업을 한다</a:t>
+            </a:r>
+            <a:r>
+              <a:rPr lang="en-US" altLang="ko-KR" sz="1100" i="1" dirty="0">
+                <a:ea typeface="맑은 고딕"/>
+              </a:rPr>
+              <a:t>.)</a:t>
+            </a:r>
+            <a:endParaRPr lang="en-US" altLang="ko-KR" sz="1100" i="1" dirty="0"/>
+          </a:p>
+        </p:txBody>
+      </p:sp>
+    </p:spTree>
+    <p:extLst>
+      <p:ext uri="{BB962C8B-B14F-4D97-AF65-F5344CB8AC3E}">
+        <p14:creationId xmlns:p14="http://schemas.microsoft.com/office/powerpoint/2010/main" val="1208518215"/>
       </p:ext>
     </p:extLst>
   </p:cSld>
@@ -6199,292 +6429,6 @@
         </p:nvSpPr>
         <p:spPr>
           <a:xfrm>
-            <a:off x="932872" y="1107623"/>
-            <a:ext cx="646331" cy="369332"/>
-          </a:xfrm>
-          <a:prstGeom prst="rect">
-            <a:avLst/>
-          </a:prstGeom>
-          <a:noFill/>
-        </p:spPr>
-        <p:txBody>
-          <a:bodyPr wrap="none" rtlCol="0">
-            <a:spAutoFit/>
-          </a:bodyPr>
-          <a:lstStyle/>
-          <a:p>
-            <a:r>
-              <a:rPr lang="ko-KR" altLang="en-US" b="1"/>
-              <a:t>장점</a:t>
-            </a:r>
-          </a:p>
-        </p:txBody>
-      </p:sp>
-      <p:sp>
-        <p:nvSpPr>
-          <p:cNvPr id="5" name="TextBox 4">
-            <a:extLst>
-              <a:ext uri="{FF2B5EF4-FFF2-40B4-BE49-F238E27FC236}">
-                <a16:creationId xmlns:a16="http://schemas.microsoft.com/office/drawing/2014/main" id="{A3D95181-3AA3-8576-4C02-8743D8166841}"/>
-              </a:ext>
-            </a:extLst>
-          </p:cNvPr>
-          <p:cNvSpPr txBox="1"/>
-          <p:nvPr/>
-        </p:nvSpPr>
-        <p:spPr>
-          <a:xfrm>
-            <a:off x="1108363" y="1911927"/>
-            <a:ext cx="8170827" cy="1837041"/>
-          </a:xfrm>
-          <a:prstGeom prst="rect">
-            <a:avLst/>
-          </a:prstGeom>
-          <a:noFill/>
-        </p:spPr>
-        <p:txBody>
-          <a:bodyPr wrap="none" lIns="91440" tIns="45720" rIns="91440" bIns="45720" rtlCol="0" anchor="t">
-            <a:spAutoFit/>
-          </a:bodyPr>
-          <a:lstStyle/>
-          <a:p>
-            <a:pPr marL="171450" indent="-171450">
-              <a:lnSpc>
-                <a:spcPct val="150000"/>
-              </a:lnSpc>
-              <a:buFont typeface="Arial" panose="020B0604020202020204" pitchFamily="34" charset="0"/>
-              <a:buChar char="•"/>
-            </a:pPr>
-            <a:r>
-              <a:rPr lang="ko-KR" altLang="en-US" sz="1100" b="0">
-                <a:effectLst/>
-                <a:latin typeface="Arial" panose="020B0604020202020204" pitchFamily="34" charset="0"/>
-              </a:rPr>
-              <a:t>불안함을 없앨 수 있다</a:t>
-            </a:r>
-            <a:r>
-              <a:rPr lang="en-US" altLang="ko-KR" sz="1100" b="0">
-                <a:effectLst/>
-                <a:latin typeface="Arial" panose="020B0604020202020204" pitchFamily="34" charset="0"/>
-              </a:rPr>
-              <a:t>.</a:t>
-            </a:r>
-            <a:br>
-              <a:rPr lang="en-US" altLang="ko-KR" sz="1100" b="0">
-                <a:effectLst/>
-                <a:latin typeface="Arial" panose="020B0604020202020204" pitchFamily="34" charset="0"/>
-              </a:rPr>
-            </a:br>
-            <a:endParaRPr lang="en-US" altLang="ko-KR" sz="1100" b="0">
-              <a:effectLst/>
-              <a:latin typeface="Arial" panose="020B0604020202020204" pitchFamily="34" charset="0"/>
-            </a:endParaRPr>
-          </a:p>
-          <a:p>
-            <a:pPr marL="171450" indent="-171450">
-              <a:lnSpc>
-                <a:spcPct val="150000"/>
-              </a:lnSpc>
-              <a:buFont typeface="Arial" panose="020B0604020202020204" pitchFamily="34" charset="0"/>
-              <a:buChar char="•"/>
-            </a:pPr>
-            <a:r>
-              <a:rPr lang="ko-KR" altLang="en-US" sz="1100"/>
-              <a:t>누구보다 더 빠른 </a:t>
-            </a:r>
-            <a:r>
-              <a:rPr lang="en-US" altLang="ko-KR" sz="1100"/>
-              <a:t>Realtime </a:t>
-            </a:r>
-            <a:r>
-              <a:rPr lang="ko-KR" altLang="en-US" sz="1100" b="1"/>
-              <a:t>피드백</a:t>
-            </a:r>
-            <a:r>
-              <a:rPr lang="ko-KR" altLang="en-US" sz="1100"/>
-              <a:t>을 받을 수 있다</a:t>
-            </a:r>
-            <a:r>
-              <a:rPr lang="en-US" altLang="ko-KR" sz="1100"/>
-              <a:t>.</a:t>
-            </a:r>
-          </a:p>
-          <a:p>
-            <a:pPr marL="171450" indent="-171450">
-              <a:lnSpc>
-                <a:spcPct val="150000"/>
-              </a:lnSpc>
-              <a:buFont typeface="Arial" panose="020B0604020202020204" pitchFamily="34" charset="0"/>
-              <a:buChar char="•"/>
-            </a:pPr>
-            <a:endParaRPr lang="en-US" altLang="ko-KR" sz="1100"/>
-          </a:p>
-          <a:p>
-            <a:pPr marL="171450" indent="-171450">
-              <a:lnSpc>
-                <a:spcPct val="150000"/>
-              </a:lnSpc>
-              <a:buFont typeface="Arial" panose="020B0604020202020204" pitchFamily="34" charset="0"/>
-              <a:buChar char="•"/>
-            </a:pPr>
-            <a:r>
-              <a:rPr lang="ko-KR" altLang="en-US" sz="1100">
-                <a:ea typeface="맑은 고딕"/>
-              </a:rPr>
-              <a:t>오버 엔지니어링을 피할 수 있다</a:t>
-            </a:r>
-            <a:r>
-              <a:rPr lang="en-US" altLang="ko-KR" sz="1100">
-                <a:ea typeface="맑은 고딕"/>
-              </a:rPr>
-              <a:t>.</a:t>
-            </a:r>
-            <a:br>
-              <a:rPr lang="en-US" altLang="ko-KR" sz="1100">
-                <a:ea typeface="맑은 고딕"/>
-              </a:rPr>
-            </a:br>
-            <a:br>
-              <a:rPr lang="en-US" altLang="ko-KR" sz="1100"/>
-            </a:br>
-            <a:r>
-              <a:rPr lang="en-US" altLang="ko-KR" sz="1100" i="1">
-                <a:ea typeface="맑은 고딕"/>
-              </a:rPr>
-              <a:t> (</a:t>
-            </a:r>
-            <a:r>
-              <a:rPr lang="ko-KR" altLang="en-US" sz="1100" i="1">
-                <a:ea typeface="맑은 고딕"/>
-              </a:rPr>
-              <a:t>오버 엔지니어링</a:t>
-            </a:r>
-            <a:r>
-              <a:rPr lang="en-US" altLang="ko-KR" sz="1100" i="1">
-                <a:ea typeface="맑은 고딕"/>
-              </a:rPr>
-              <a:t> </a:t>
-            </a:r>
-            <a:r>
-              <a:rPr lang="en-US" altLang="ko-KR" sz="1100" i="1" err="1">
-                <a:ea typeface="맑은 고딕"/>
-              </a:rPr>
-              <a:t>문제를</a:t>
-            </a:r>
-            <a:r>
-              <a:rPr lang="en-US" altLang="ko-KR" sz="1100" i="1">
-                <a:ea typeface="맑은 고딕"/>
-              </a:rPr>
-              <a:t> </a:t>
-            </a:r>
-            <a:r>
-              <a:rPr lang="en-US" altLang="ko-KR" sz="1100" i="1" err="1">
-                <a:ea typeface="맑은 고딕"/>
-              </a:rPr>
-              <a:t>해결하는</a:t>
-            </a:r>
-            <a:r>
-              <a:rPr lang="en-US" altLang="ko-KR" sz="1100" i="1">
-                <a:ea typeface="맑은 고딕"/>
-              </a:rPr>
-              <a:t> </a:t>
-            </a:r>
-            <a:r>
-              <a:rPr lang="en-US" altLang="ko-KR" sz="1100" i="1" err="1">
-                <a:ea typeface="맑은 고딕"/>
-              </a:rPr>
-              <a:t>것보다</a:t>
-            </a:r>
-            <a:r>
-              <a:rPr lang="en-US" altLang="ko-KR" sz="1100" i="1">
-                <a:ea typeface="맑은 고딕"/>
-              </a:rPr>
-              <a:t> </a:t>
-            </a:r>
-            <a:r>
-              <a:rPr lang="en-US" altLang="ko-KR" sz="1100" i="1" err="1">
-                <a:ea typeface="맑은 고딕"/>
-              </a:rPr>
-              <a:t>과한</a:t>
-            </a:r>
-            <a:r>
-              <a:rPr lang="en-US" altLang="ko-KR" sz="1100" i="1">
-                <a:ea typeface="맑은 고딕"/>
-              </a:rPr>
-              <a:t> 엔지니어링 = </a:t>
-            </a:r>
-            <a:r>
-              <a:rPr lang="ko-KR" altLang="en-US" sz="1100" i="1">
-                <a:ea typeface="맑은 고딕"/>
-              </a:rPr>
-              <a:t>지금 풀어야하는 작업보다</a:t>
-            </a:r>
-            <a:r>
-              <a:rPr lang="en-US" altLang="ko-KR" sz="1100" i="1">
-                <a:ea typeface="맑은 고딕"/>
-              </a:rPr>
-              <a:t>,</a:t>
-            </a:r>
-            <a:r>
-              <a:rPr lang="ko-KR" altLang="en-US" sz="1100" i="1">
-                <a:ea typeface="맑은 고딕"/>
-              </a:rPr>
-              <a:t> 자기에게 흥미 있는 작업을 한다</a:t>
-            </a:r>
-            <a:r>
-              <a:rPr lang="en-US" altLang="ko-KR" sz="1100" i="1">
-                <a:ea typeface="맑은 고딕"/>
-              </a:rPr>
-              <a:t>.)</a:t>
-            </a:r>
-            <a:endParaRPr lang="en-US" altLang="ko-KR" sz="1100" i="1"/>
-          </a:p>
-        </p:txBody>
-      </p:sp>
-    </p:spTree>
-    <p:extLst>
-      <p:ext uri="{BB962C8B-B14F-4D97-AF65-F5344CB8AC3E}">
-        <p14:creationId xmlns:p14="http://schemas.microsoft.com/office/powerpoint/2010/main" val="1208518215"/>
-      </p:ext>
-    </p:extLst>
-  </p:cSld>
-  <p:clrMapOvr>
-    <a:masterClrMapping/>
-  </p:clrMapOvr>
-</p:sld>
-</file>
-
-<file path=ppt/slides/slide9.xml><?xml version="1.0" encoding="utf-8"?>
-<p:sld xmlns:a="http://schemas.openxmlformats.org/drawingml/2006/main" xmlns:r="http://schemas.openxmlformats.org/officeDocument/2006/relationships" xmlns:p="http://schemas.openxmlformats.org/presentationml/2006/main">
-  <p:cSld>
-    <p:spTree>
-      <p:nvGrpSpPr>
-        <p:cNvPr id="1" name=""/>
-        <p:cNvGrpSpPr/>
-        <p:nvPr/>
-      </p:nvGrpSpPr>
-      <p:grpSpPr>
-        <a:xfrm>
-          <a:off x="0" y="0"/>
-          <a:ext cx="0" cy="0"/>
-          <a:chOff x="0" y="0"/>
-          <a:chExt cx="0" cy="0"/>
-        </a:xfrm>
-      </p:grpSpPr>
-      <p:sp>
-        <p:nvSpPr>
-          <p:cNvPr id="3" name="TextBox 2">
-            <a:extLst>
-              <a:ext uri="{FF2B5EF4-FFF2-40B4-BE49-F238E27FC236}">
-                <a16:creationId xmlns:a16="http://schemas.microsoft.com/office/drawing/2014/main" id="{9D1D9BCF-9977-4C34-9E6B-D2F131D053B2}"/>
-              </a:ext>
-            </a:extLst>
-          </p:cNvPr>
-          <p:cNvSpPr txBox="1"/>
-          <p:nvPr/>
-        </p:nvSpPr>
-        <p:spPr>
-          <a:xfrm>
             <a:off x="1140690" y="1283171"/>
             <a:ext cx="9910619" cy="523220"/>
           </a:xfrm>
@@ -6501,7 +6445,7 @@
           <a:p>
             <a:pPr algn="ctr"/>
             <a:r>
-              <a:rPr lang="ko-KR" altLang="en-US" sz="2800" i="1">
+              <a:rPr lang="ko-KR" altLang="en-US" sz="2800" i="1" dirty="0">
                 <a:latin typeface="Arial"/>
                 <a:ea typeface="맑은 고딕"/>
                 <a:cs typeface="Arial"/>
@@ -6509,18 +6453,18 @@
               <a:t>컴파일러의</a:t>
             </a:r>
             <a:r>
-              <a:rPr lang="ko-KR" altLang="en-US" sz="2800" b="1">
+              <a:rPr lang="ko-KR" altLang="en-US" sz="2800" b="1" dirty="0">
                 <a:ea typeface="맑은 고딕"/>
               </a:rPr>
               <a:t> </a:t>
             </a:r>
             <a:r>
-              <a:rPr lang="ko-KR" altLang="en-US" sz="2800" b="1" u="sng">
+              <a:rPr lang="ko-KR" altLang="en-US" sz="2800" b="1" u="sng" dirty="0">
                 <a:ea typeface="맑은 고딕"/>
               </a:rPr>
               <a:t>피드백</a:t>
             </a:r>
-            <a:endParaRPr lang="en-US" altLang="ko-KR" sz="2800" b="1" u="sng">
+            <a:endParaRPr lang="en-US" altLang="ko-KR" sz="2800" b="1" u="sng" dirty="0">
               <a:ea typeface="맑은 고딕"/>
             </a:endParaRPr>
           </a:p>
@@ -6560,6 +6504,187 @@
     <p:extLst>
       <p:ext uri="{BB962C8B-B14F-4D97-AF65-F5344CB8AC3E}">
         <p14:creationId xmlns:p14="http://schemas.microsoft.com/office/powerpoint/2010/main" val="130619640"/>
+      </p:ext>
+    </p:extLst>
+  </p:cSld>
+  <p:clrMapOvr>
+    <a:masterClrMapping/>
+  </p:clrMapOvr>
+  <p:timing>
+    <p:tnLst>
+      <p:par>
+        <p:cTn id="1" dur="indefinite" restart="never" nodeType="tmRoot">
+          <p:childTnLst>
+            <p:seq concurrent="1" nextAc="seek">
+              <p:cTn id="2" dur="indefinite" nodeType="mainSeq">
+                <p:childTnLst>
+                  <p:par>
+                    <p:cTn id="3" fill="hold">
+                      <p:stCondLst>
+                        <p:cond delay="indefinite"/>
+                      </p:stCondLst>
+                      <p:childTnLst>
+                        <p:par>
+                          <p:cTn id="4" fill="hold">
+                            <p:stCondLst>
+                              <p:cond delay="0"/>
+                            </p:stCondLst>
+                            <p:childTnLst>
+                              <p:par>
+                                <p:cTn id="5" presetID="1" presetClass="entr" presetSubtype="0" fill="hold" grpId="0" nodeType="clickEffect">
+                                  <p:stCondLst>
+                                    <p:cond delay="0"/>
+                                  </p:stCondLst>
+                                  <p:childTnLst>
+                                    <p:set>
+                                      <p:cBhvr>
+                                        <p:cTn id="6" dur="1" fill="hold">
+                                          <p:stCondLst>
+                                            <p:cond delay="0"/>
+                                          </p:stCondLst>
+                                        </p:cTn>
+                                        <p:tgtEl>
+                                          <p:spTgt spid="3"/>
+                                        </p:tgtEl>
+                                        <p:attrNameLst>
+                                          <p:attrName>style.visibility</p:attrName>
+                                        </p:attrNameLst>
+                                      </p:cBhvr>
+                                      <p:to>
+                                        <p:strVal val="visible"/>
+                                      </p:to>
+                                    </p:set>
+                                  </p:childTnLst>
+                                </p:cTn>
+                              </p:par>
+                            </p:childTnLst>
+                          </p:cTn>
+                        </p:par>
+                      </p:childTnLst>
+                    </p:cTn>
+                  </p:par>
+                </p:childTnLst>
+              </p:cTn>
+              <p:prevCondLst>
+                <p:cond evt="onPrev" delay="0">
+                  <p:tgtEl>
+                    <p:sldTgt/>
+                  </p:tgtEl>
+                </p:cond>
+              </p:prevCondLst>
+              <p:nextCondLst>
+                <p:cond evt="onNext" delay="0">
+                  <p:tgtEl>
+                    <p:sldTgt/>
+                  </p:tgtEl>
+                </p:cond>
+              </p:nextCondLst>
+            </p:seq>
+          </p:childTnLst>
+        </p:cTn>
+      </p:par>
+    </p:tnLst>
+    <p:bldLst>
+      <p:bldP spid="3" grpId="0"/>
+    </p:bldLst>
+  </p:timing>
+</p:sld>
+</file>
+
+<file path=ppt/slides/slide9.xml><?xml version="1.0" encoding="utf-8"?>
+<p:sld xmlns:a="http://schemas.openxmlformats.org/drawingml/2006/main" xmlns:r="http://schemas.openxmlformats.org/officeDocument/2006/relationships" xmlns:p="http://schemas.openxmlformats.org/presentationml/2006/main">
+  <p:cSld>
+    <p:spTree>
+      <p:nvGrpSpPr>
+        <p:cNvPr id="1" name=""/>
+        <p:cNvGrpSpPr/>
+        <p:nvPr/>
+      </p:nvGrpSpPr>
+      <p:grpSpPr>
+        <a:xfrm>
+          <a:off x="0" y="0"/>
+          <a:ext cx="0" cy="0"/>
+          <a:chOff x="0" y="0"/>
+          <a:chExt cx="0" cy="0"/>
+        </a:xfrm>
+      </p:grpSpPr>
+      <p:sp>
+        <p:nvSpPr>
+          <p:cNvPr id="3" name="TextBox 2">
+            <a:extLst>
+              <a:ext uri="{FF2B5EF4-FFF2-40B4-BE49-F238E27FC236}">
+                <a16:creationId xmlns:a16="http://schemas.microsoft.com/office/drawing/2014/main" id="{9D1D9BCF-9977-4C34-9E6B-D2F131D053B2}"/>
+              </a:ext>
+            </a:extLst>
+          </p:cNvPr>
+          <p:cNvSpPr txBox="1"/>
+          <p:nvPr/>
+        </p:nvSpPr>
+        <p:spPr>
+          <a:xfrm>
+            <a:off x="1140690" y="2657509"/>
+            <a:ext cx="9910619" cy="1384995"/>
+          </a:xfrm>
+          <a:prstGeom prst="rect">
+            <a:avLst/>
+          </a:prstGeom>
+          <a:noFill/>
+        </p:spPr>
+        <p:txBody>
+          <a:bodyPr wrap="square" lIns="91440" tIns="45720" rIns="91440" bIns="45720" rtlCol="0" anchor="t">
+            <a:spAutoFit/>
+          </a:bodyPr>
+          <a:lstStyle/>
+          <a:p>
+            <a:pPr algn="ctr"/>
+            <a:r>
+              <a:rPr lang="en-US" altLang="ko-KR" sz="2800" i="1" dirty="0">
+                <a:latin typeface="Arial"/>
+                <a:ea typeface="맑은 고딕"/>
+                <a:cs typeface="Arial"/>
+              </a:rPr>
+              <a:t>TDD ?</a:t>
+            </a:r>
+          </a:p>
+          <a:p>
+            <a:pPr algn="ctr"/>
+            <a:br>
+              <a:rPr lang="en-US" altLang="ko-KR" sz="2800" i="1" dirty="0">
+                <a:latin typeface="Arial"/>
+                <a:ea typeface="맑은 고딕"/>
+                <a:cs typeface="Arial"/>
+              </a:rPr>
+            </a:br>
+            <a:r>
+              <a:rPr lang="ko-KR" altLang="en-US" sz="2800" i="1" dirty="0">
+                <a:latin typeface="Arial"/>
+                <a:ea typeface="맑은 고딕"/>
+                <a:cs typeface="Arial"/>
+              </a:rPr>
+              <a:t>런타임 </a:t>
+            </a:r>
+            <a:r>
+              <a:rPr lang="ko-KR" altLang="en-US" sz="2800" b="1" dirty="0">
+                <a:ea typeface="맑은 고딕"/>
+              </a:rPr>
+              <a:t> </a:t>
+            </a:r>
+            <a:r>
+              <a:rPr lang="ko-KR" altLang="en-US" sz="2800" b="1" u="sng" dirty="0">
+                <a:ea typeface="맑은 고딕"/>
+              </a:rPr>
+              <a:t>피드백</a:t>
+            </a:r>
+            <a:endParaRPr lang="en-US" altLang="ko-KR" sz="2800" b="1" u="sng" dirty="0">
+              <a:ea typeface="맑은 고딕"/>
+            </a:endParaRPr>
+          </a:p>
+        </p:txBody>
+      </p:sp>
+    </p:spTree>
+    <p:extLst>
+      <p:ext uri="{BB962C8B-B14F-4D97-AF65-F5344CB8AC3E}">
+        <p14:creationId xmlns:p14="http://schemas.microsoft.com/office/powerpoint/2010/main" val="2914355694"/>
       </p:ext>
     </p:extLst>
   </p:cSld>
